--- a/08. Ajax/Ajax.pptx
+++ b/08. Ajax/Ajax.pptx
@@ -10,6 +10,9 @@
     <p:sldId id="258" r:id="rId4"/>
     <p:sldId id="259" r:id="rId5"/>
     <p:sldId id="260" r:id="rId6"/>
+    <p:sldId id="261" r:id="rId7"/>
+    <p:sldId id="262" r:id="rId8"/>
+    <p:sldId id="263" r:id="rId9"/>
   </p:sldIdLst>
   <p:sldSz cx="12192000" cy="6858000"/>
   <p:notesSz cx="6858000" cy="9144000"/>
@@ -249,7 +252,7 @@
           <a:p>
             <a:fld id="{FDFC611B-1B77-4785-AA8D-B532A9780E21}" type="datetimeFigureOut">
               <a:rPr lang="en-IN" smtClean="0"/>
-              <a:t>14-05-2021</a:t>
+              <a:t>17-05-2021</a:t>
             </a:fld>
             <a:endParaRPr lang="en-IN"/>
           </a:p>
@@ -536,7 +539,7 @@
           <a:p>
             <a:fld id="{FDFC611B-1B77-4785-AA8D-B532A9780E21}" type="datetimeFigureOut">
               <a:rPr lang="en-IN" smtClean="0"/>
-              <a:t>14-05-2021</a:t>
+              <a:t>17-05-2021</a:t>
             </a:fld>
             <a:endParaRPr lang="en-IN"/>
           </a:p>
@@ -728,7 +731,7 @@
           <a:p>
             <a:fld id="{FDFC611B-1B77-4785-AA8D-B532A9780E21}" type="datetimeFigureOut">
               <a:rPr lang="en-IN" smtClean="0"/>
-              <a:t>14-05-2021</a:t>
+              <a:t>17-05-2021</a:t>
             </a:fld>
             <a:endParaRPr lang="en-IN"/>
           </a:p>
@@ -989,7 +992,7 @@
           <a:p>
             <a:fld id="{FDFC611B-1B77-4785-AA8D-B532A9780E21}" type="datetimeFigureOut">
               <a:rPr lang="en-IN" smtClean="0"/>
-              <a:t>14-05-2021</a:t>
+              <a:t>17-05-2021</a:t>
             </a:fld>
             <a:endParaRPr lang="en-IN"/>
           </a:p>
@@ -1413,7 +1416,7 @@
           <a:p>
             <a:fld id="{FDFC611B-1B77-4785-AA8D-B532A9780E21}" type="datetimeFigureOut">
               <a:rPr lang="en-IN" smtClean="0"/>
-              <a:t>14-05-2021</a:t>
+              <a:t>17-05-2021</a:t>
             </a:fld>
             <a:endParaRPr lang="en-IN"/>
           </a:p>
@@ -1959,7 +1962,7 @@
           <a:p>
             <a:fld id="{FDFC611B-1B77-4785-AA8D-B532A9780E21}" type="datetimeFigureOut">
               <a:rPr lang="en-IN" smtClean="0"/>
-              <a:t>14-05-2021</a:t>
+              <a:t>17-05-2021</a:t>
             </a:fld>
             <a:endParaRPr lang="en-IN"/>
           </a:p>
@@ -2799,7 +2802,7 @@
           <a:p>
             <a:fld id="{FDFC611B-1B77-4785-AA8D-B532A9780E21}" type="datetimeFigureOut">
               <a:rPr lang="en-IN" smtClean="0"/>
-              <a:t>14-05-2021</a:t>
+              <a:t>17-05-2021</a:t>
             </a:fld>
             <a:endParaRPr lang="en-IN"/>
           </a:p>
@@ -2969,7 +2972,7 @@
           <a:p>
             <a:fld id="{FDFC611B-1B77-4785-AA8D-B532A9780E21}" type="datetimeFigureOut">
               <a:rPr lang="en-IN" smtClean="0"/>
-              <a:t>14-05-2021</a:t>
+              <a:t>17-05-2021</a:t>
             </a:fld>
             <a:endParaRPr lang="en-IN"/>
           </a:p>
@@ -3153,7 +3156,7 @@
           <a:p>
             <a:fld id="{FDFC611B-1B77-4785-AA8D-B532A9780E21}" type="datetimeFigureOut">
               <a:rPr lang="en-IN" smtClean="0"/>
-              <a:t>14-05-2021</a:t>
+              <a:t>17-05-2021</a:t>
             </a:fld>
             <a:endParaRPr lang="en-IN"/>
           </a:p>
@@ -3323,7 +3326,7 @@
           <a:p>
             <a:fld id="{FDFC611B-1B77-4785-AA8D-B532A9780E21}" type="datetimeFigureOut">
               <a:rPr lang="en-IN" smtClean="0"/>
-              <a:t>14-05-2021</a:t>
+              <a:t>17-05-2021</a:t>
             </a:fld>
             <a:endParaRPr lang="en-IN"/>
           </a:p>
@@ -3571,7 +3574,7 @@
           <a:p>
             <a:fld id="{FDFC611B-1B77-4785-AA8D-B532A9780E21}" type="datetimeFigureOut">
               <a:rPr lang="en-IN" smtClean="0"/>
-              <a:t>14-05-2021</a:t>
+              <a:t>17-05-2021</a:t>
             </a:fld>
             <a:endParaRPr lang="en-IN"/>
           </a:p>
@@ -3808,7 +3811,7 @@
           <a:p>
             <a:fld id="{FDFC611B-1B77-4785-AA8D-B532A9780E21}" type="datetimeFigureOut">
               <a:rPr lang="en-IN" smtClean="0"/>
-              <a:t>14-05-2021</a:t>
+              <a:t>17-05-2021</a:t>
             </a:fld>
             <a:endParaRPr lang="en-IN"/>
           </a:p>
@@ -4181,7 +4184,7 @@
           <a:p>
             <a:fld id="{FDFC611B-1B77-4785-AA8D-B532A9780E21}" type="datetimeFigureOut">
               <a:rPr lang="en-IN" smtClean="0"/>
-              <a:t>14-05-2021</a:t>
+              <a:t>17-05-2021</a:t>
             </a:fld>
             <a:endParaRPr lang="en-IN"/>
           </a:p>
@@ -4299,7 +4302,7 @@
           <a:p>
             <a:fld id="{FDFC611B-1B77-4785-AA8D-B532A9780E21}" type="datetimeFigureOut">
               <a:rPr lang="en-IN" smtClean="0"/>
-              <a:t>14-05-2021</a:t>
+              <a:t>17-05-2021</a:t>
             </a:fld>
             <a:endParaRPr lang="en-IN"/>
           </a:p>
@@ -4394,7 +4397,7 @@
           <a:p>
             <a:fld id="{FDFC611B-1B77-4785-AA8D-B532A9780E21}" type="datetimeFigureOut">
               <a:rPr lang="en-IN" smtClean="0"/>
-              <a:t>14-05-2021</a:t>
+              <a:t>17-05-2021</a:t>
             </a:fld>
             <a:endParaRPr lang="en-IN"/>
           </a:p>
@@ -4645,7 +4648,7 @@
           <a:p>
             <a:fld id="{FDFC611B-1B77-4785-AA8D-B532A9780E21}" type="datetimeFigureOut">
               <a:rPr lang="en-IN" smtClean="0"/>
-              <a:t>14-05-2021</a:t>
+              <a:t>17-05-2021</a:t>
             </a:fld>
             <a:endParaRPr lang="en-IN"/>
           </a:p>
@@ -4932,7 +4935,7 @@
           <a:p>
             <a:fld id="{FDFC611B-1B77-4785-AA8D-B532A9780E21}" type="datetimeFigureOut">
               <a:rPr lang="en-IN" smtClean="0"/>
-              <a:t>14-05-2021</a:t>
+              <a:t>17-05-2021</a:t>
             </a:fld>
             <a:endParaRPr lang="en-IN"/>
           </a:p>
@@ -5145,7 +5148,7 @@
           <a:p>
             <a:fld id="{FDFC611B-1B77-4785-AA8D-B532A9780E21}" type="datetimeFigureOut">
               <a:rPr lang="en-IN" smtClean="0"/>
-              <a:t>14-05-2021</a:t>
+              <a:t>17-05-2021</a:t>
             </a:fld>
             <a:endParaRPr lang="en-IN"/>
           </a:p>
@@ -5952,51 +5955,173 @@
         </p:spPr>
         <p:txBody>
           <a:bodyPr>
-            <a:normAutofit/>
+            <a:normAutofit fontScale="92500"/>
           </a:bodyPr>
           <a:lstStyle/>
           <a:p>
-            <a:r>
-              <a:rPr lang="en-US" sz="2600" dirty="0"/>
-              <a:t>Ajax use </a:t>
-            </a:r>
-            <a:r>
-              <a:rPr lang="en-US" sz="2600" dirty="0" err="1"/>
-              <a:t>XMLHttpRequest</a:t>
-            </a:r>
-            <a:r>
-              <a:rPr lang="en-US" sz="2600" dirty="0"/>
-              <a:t> object (also called </a:t>
-            </a:r>
-            <a:r>
-              <a:rPr lang="en-US" sz="2600" dirty="0" err="1"/>
-              <a:t>xhr</a:t>
-            </a:r>
-            <a:r>
-              <a:rPr lang="en-US" sz="2600" dirty="0"/>
-              <a:t> objects) to </a:t>
-            </a:r>
-            <a:r>
-              <a:rPr lang="en-US" sz="2600" dirty="0" err="1"/>
-              <a:t>achive</a:t>
-            </a:r>
-            <a:r>
-              <a:rPr lang="en-US" sz="2600" dirty="0"/>
-              <a:t> this</a:t>
-            </a:r>
-          </a:p>
-          <a:p>
-            <a:r>
-              <a:rPr lang="en-US" sz="2600" dirty="0"/>
-              <a:t>Modern Website use JSON instead for data transfer.</a:t>
-            </a:r>
-          </a:p>
-          <a:p>
-            <a:r>
-              <a:rPr lang="en-US" sz="2600" dirty="0"/>
-              <a:t>Data can be transferred in any format and protocol (Not always https necessarily)</a:t>
-            </a:r>
-            <a:endParaRPr lang="en-IN" sz="2600" dirty="0"/>
+            <a:pPr marL="0" marR="0" lvl="0" indent="0" algn="l" defTabSz="914400" rtl="0" eaLnBrk="0" fontAlgn="base" latinLnBrk="0" hangingPunct="0">
+              <a:lnSpc>
+                <a:spcPct val="100000"/>
+              </a:lnSpc>
+              <a:spcBef>
+                <a:spcPct val="0"/>
+              </a:spcBef>
+              <a:spcAft>
+                <a:spcPct val="0"/>
+              </a:spcAft>
+              <a:buClrTx/>
+              <a:buSzTx/>
+              <a:buFontTx/>
+              <a:buChar char="•"/>
+              <a:tabLst/>
+            </a:pPr>
+            <a:r>
+              <a:rPr kumimoji="0" lang="en-US" altLang="en-US" sz="2400" b="0" i="0" u="none" strike="noStrike" cap="none" normalizeH="0" baseline="0" dirty="0">
+                <a:ln>
+                  <a:noFill/>
+                </a:ln>
+                <a:solidFill>
+                  <a:schemeClr val="tx1"/>
+                </a:solidFill>
+                <a:effectLst/>
+                <a:latin typeface="Arial" panose="020B0604020202020204" pitchFamily="34" charset="0"/>
+              </a:rPr>
+              <a:t> User </a:t>
+            </a:r>
+            <a:r>
+              <a:rPr kumimoji="0" lang="en-US" altLang="en-US" sz="2400" i="0" u="none" strike="noStrike" cap="none" normalizeH="0" baseline="0" dirty="0">
+                <a:ln>
+                  <a:noFill/>
+                </a:ln>
+                <a:solidFill>
+                  <a:schemeClr val="tx1"/>
+                </a:solidFill>
+                <a:effectLst/>
+                <a:latin typeface="Arial" panose="020B0604020202020204" pitchFamily="34" charset="0"/>
+              </a:rPr>
+              <a:t>sends a request from the HTML and a </a:t>
+            </a:r>
+            <a:r>
+              <a:rPr kumimoji="0" lang="en-US" altLang="en-US" sz="2400" i="0" u="none" strike="noStrike" cap="none" normalizeH="0" baseline="0" dirty="0" err="1">
+                <a:ln>
+                  <a:noFill/>
+                </a:ln>
+                <a:solidFill>
+                  <a:schemeClr val="tx1"/>
+                </a:solidFill>
+                <a:effectLst/>
+                <a:latin typeface="Arial" panose="020B0604020202020204" pitchFamily="34" charset="0"/>
+              </a:rPr>
+              <a:t>javascript</a:t>
+            </a:r>
+            <a:r>
+              <a:rPr kumimoji="0" lang="en-US" altLang="en-US" sz="2400" i="0" u="none" strike="noStrike" cap="none" normalizeH="0" baseline="0" dirty="0">
+                <a:ln>
+                  <a:noFill/>
+                </a:ln>
+                <a:solidFill>
+                  <a:schemeClr val="tx1"/>
+                </a:solidFill>
+                <a:effectLst/>
+                <a:latin typeface="Arial" panose="020B0604020202020204" pitchFamily="34" charset="0"/>
+              </a:rPr>
+              <a:t> call goes to</a:t>
+            </a:r>
+          </a:p>
+          <a:p>
+            <a:pPr marL="0" marR="0" lvl="0" indent="0" algn="l" defTabSz="914400" rtl="0" eaLnBrk="0" fontAlgn="base" latinLnBrk="0" hangingPunct="0">
+              <a:lnSpc>
+                <a:spcPct val="100000"/>
+              </a:lnSpc>
+              <a:spcBef>
+                <a:spcPct val="0"/>
+              </a:spcBef>
+              <a:spcAft>
+                <a:spcPct val="0"/>
+              </a:spcAft>
+              <a:buClrTx/>
+              <a:buSzTx/>
+              <a:buNone/>
+              <a:tabLst/>
+            </a:pPr>
+            <a:r>
+              <a:rPr lang="en-US" altLang="en-US" sz="2400" dirty="0">
+                <a:effectLst/>
+                <a:latin typeface="Arial" panose="020B0604020202020204" pitchFamily="34" charset="0"/>
+              </a:rPr>
+              <a:t>  </a:t>
+            </a:r>
+            <a:r>
+              <a:rPr kumimoji="0" lang="en-US" altLang="en-US" sz="2400" i="0" u="none" strike="noStrike" cap="none" normalizeH="0" baseline="0" dirty="0">
+                <a:ln>
+                  <a:noFill/>
+                </a:ln>
+                <a:solidFill>
+                  <a:schemeClr val="tx1"/>
+                </a:solidFill>
+                <a:effectLst/>
+                <a:latin typeface="Arial" panose="020B0604020202020204" pitchFamily="34" charset="0"/>
+              </a:rPr>
+              <a:t> XMLHttpRequest  object. </a:t>
+            </a:r>
+          </a:p>
+          <a:p>
+            <a:r>
+              <a:rPr kumimoji="0" lang="en-US" altLang="en-US" sz="2400" i="0" u="none" strike="noStrike" cap="none" normalizeH="0" baseline="0" dirty="0">
+                <a:ln>
+                  <a:noFill/>
+                </a:ln>
+                <a:solidFill>
+                  <a:schemeClr val="tx1"/>
+                </a:solidFill>
+                <a:effectLst/>
+                <a:latin typeface="Arial" panose="020B0604020202020204" pitchFamily="34" charset="0"/>
+              </a:rPr>
+              <a:t>HTTP Request is sent to the server by open() method of XMLHttpRequest object. </a:t>
+            </a:r>
+          </a:p>
+          <a:p>
+            <a:r>
+              <a:rPr kumimoji="0" lang="en-US" altLang="en-US" sz="2400" i="0" u="none" strike="noStrike" cap="none" normalizeH="0" baseline="0" dirty="0">
+                <a:ln>
+                  <a:noFill/>
+                </a:ln>
+                <a:solidFill>
+                  <a:schemeClr val="tx1"/>
+                </a:solidFill>
+                <a:effectLst/>
+                <a:latin typeface="Arial" panose="020B0604020202020204" pitchFamily="34" charset="0"/>
+              </a:rPr>
+              <a:t>Server interacts with the database (if present) using JSP, PHP, Servlet, ASP.net etc. </a:t>
+            </a:r>
+          </a:p>
+          <a:p>
+            <a:r>
+              <a:rPr kumimoji="0" lang="en-US" altLang="en-US" sz="2400" i="0" u="none" strike="noStrike" cap="none" normalizeH="0" baseline="0" dirty="0">
+                <a:ln>
+                  <a:noFill/>
+                </a:ln>
+                <a:solidFill>
+                  <a:schemeClr val="tx1"/>
+                </a:solidFill>
+                <a:effectLst/>
+                <a:latin typeface="Arial" panose="020B0604020202020204" pitchFamily="34" charset="0"/>
+              </a:rPr>
+              <a:t>Data is retrieved. </a:t>
+            </a:r>
+          </a:p>
+          <a:p>
+            <a:r>
+              <a:rPr lang="en-US" sz="2400" dirty="0"/>
+              <a:t>Server sends XML data or JSON data or text data to the XMLHttpRequest callback function.</a:t>
+            </a:r>
+          </a:p>
+          <a:p>
+            <a:r>
+              <a:rPr lang="en-US" sz="2400" dirty="0"/>
+              <a:t>HTML and CSS data is displayed on the browser. </a:t>
+            </a:r>
+            <a:endParaRPr lang="en-IN" sz="2400" dirty="0"/>
           </a:p>
         </p:txBody>
       </p:sp>
@@ -6085,6 +6210,297 @@
     <p:extLst>
       <p:ext uri="{BB962C8B-B14F-4D97-AF65-F5344CB8AC3E}">
         <p14:creationId xmlns:p14="http://schemas.microsoft.com/office/powerpoint/2010/main" val="1564061136"/>
+      </p:ext>
+    </p:extLst>
+  </p:cSld>
+  <p:clrMapOvr>
+    <a:masterClrMapping/>
+  </p:clrMapOvr>
+</p:sld>
+</file>
+
+<file path=ppt/slides/slide6.xml><?xml version="1.0" encoding="utf-8"?>
+<p:sld xmlns:a="http://schemas.openxmlformats.org/drawingml/2006/main" xmlns:r="http://schemas.openxmlformats.org/officeDocument/2006/relationships" xmlns:p="http://schemas.openxmlformats.org/presentationml/2006/main">
+  <p:cSld>
+    <p:spTree>
+      <p:nvGrpSpPr>
+        <p:cNvPr id="1" name=""/>
+        <p:cNvGrpSpPr/>
+        <p:nvPr/>
+      </p:nvGrpSpPr>
+      <p:grpSpPr>
+        <a:xfrm>
+          <a:off x="0" y="0"/>
+          <a:ext cx="0" cy="0"/>
+          <a:chOff x="0" y="0"/>
+          <a:chExt cx="0" cy="0"/>
+        </a:xfrm>
+      </p:grpSpPr>
+      <p:sp>
+        <p:nvSpPr>
+          <p:cNvPr id="2" name="Title 1">
+            <a:extLst>
+              <a:ext uri="{FF2B5EF4-FFF2-40B4-BE49-F238E27FC236}">
+                <a16:creationId xmlns:a16="http://schemas.microsoft.com/office/drawing/2014/main" id="{D963EBA9-0305-4863-9D84-47F4AF0D8CCC}"/>
+              </a:ext>
+            </a:extLst>
+          </p:cNvPr>
+          <p:cNvSpPr>
+            <a:spLocks noGrp="1"/>
+          </p:cNvSpPr>
+          <p:nvPr>
+            <p:ph type="title"/>
+          </p:nvPr>
+        </p:nvSpPr>
+        <p:spPr/>
+        <p:txBody>
+          <a:bodyPr/>
+          <a:lstStyle/>
+          <a:p>
+            <a:r>
+              <a:rPr lang="en-US" b="1" dirty="0"/>
+              <a:t>How AJAX works?</a:t>
+            </a:r>
+            <a:br>
+              <a:rPr lang="en-US" b="1" dirty="0"/>
+            </a:br>
+            <a:r>
+              <a:rPr lang="en-US" b="1" dirty="0"/>
+              <a:t>(better </a:t>
+            </a:r>
+            <a:r>
+              <a:rPr lang="en-US" b="1" dirty="0" err="1"/>
+              <a:t>undersTanding</a:t>
+            </a:r>
+            <a:r>
+              <a:rPr lang="en-US" b="1" dirty="0"/>
+              <a:t>)</a:t>
+            </a:r>
+            <a:endParaRPr lang="en-US" dirty="0"/>
+          </a:p>
+        </p:txBody>
+      </p:sp>
+      <p:pic>
+        <p:nvPicPr>
+          <p:cNvPr id="5" name="Content Placeholder 4">
+            <a:extLst>
+              <a:ext uri="{FF2B5EF4-FFF2-40B4-BE49-F238E27FC236}">
+                <a16:creationId xmlns:a16="http://schemas.microsoft.com/office/drawing/2014/main" id="{9D4C0526-C1F5-474D-916C-F0DA7C1D408C}"/>
+              </a:ext>
+            </a:extLst>
+          </p:cNvPr>
+          <p:cNvPicPr>
+            <a:picLocks noGrp="1" noChangeAspect="1"/>
+          </p:cNvPicPr>
+          <p:nvPr>
+            <p:ph idx="1"/>
+          </p:nvPr>
+        </p:nvPicPr>
+        <p:blipFill>
+          <a:blip r:embed="rId2"/>
+          <a:stretch>
+            <a:fillRect/>
+          </a:stretch>
+        </p:blipFill>
+        <p:spPr>
+          <a:xfrm>
+            <a:off x="1815957" y="2086623"/>
+            <a:ext cx="7381308" cy="4619652"/>
+          </a:xfrm>
+        </p:spPr>
+      </p:pic>
+    </p:spTree>
+    <p:extLst>
+      <p:ext uri="{BB962C8B-B14F-4D97-AF65-F5344CB8AC3E}">
+        <p14:creationId xmlns:p14="http://schemas.microsoft.com/office/powerpoint/2010/main" val="2231772864"/>
+      </p:ext>
+    </p:extLst>
+  </p:cSld>
+  <p:clrMapOvr>
+    <a:masterClrMapping/>
+  </p:clrMapOvr>
+</p:sld>
+</file>
+
+<file path=ppt/slides/slide7.xml><?xml version="1.0" encoding="utf-8"?>
+<p:sld xmlns:a="http://schemas.openxmlformats.org/drawingml/2006/main" xmlns:r="http://schemas.openxmlformats.org/officeDocument/2006/relationships" xmlns:p="http://schemas.openxmlformats.org/presentationml/2006/main">
+  <p:cSld>
+    <p:spTree>
+      <p:nvGrpSpPr>
+        <p:cNvPr id="1" name=""/>
+        <p:cNvGrpSpPr/>
+        <p:nvPr/>
+      </p:nvGrpSpPr>
+      <p:grpSpPr>
+        <a:xfrm>
+          <a:off x="0" y="0"/>
+          <a:ext cx="0" cy="0"/>
+          <a:chOff x="0" y="0"/>
+          <a:chExt cx="0" cy="0"/>
+        </a:xfrm>
+      </p:grpSpPr>
+      <p:sp>
+        <p:nvSpPr>
+          <p:cNvPr id="2" name="Title 1">
+            <a:extLst>
+              <a:ext uri="{FF2B5EF4-FFF2-40B4-BE49-F238E27FC236}">
+                <a16:creationId xmlns:a16="http://schemas.microsoft.com/office/drawing/2014/main" id="{78D1F1B3-9F96-435C-8EF8-CC81907595DA}"/>
+              </a:ext>
+            </a:extLst>
+          </p:cNvPr>
+          <p:cNvSpPr>
+            <a:spLocks noGrp="1"/>
+          </p:cNvSpPr>
+          <p:nvPr>
+            <p:ph type="title"/>
+          </p:nvPr>
+        </p:nvSpPr>
+        <p:spPr/>
+        <p:txBody>
+          <a:bodyPr/>
+          <a:lstStyle/>
+          <a:p>
+            <a:r>
+              <a:rPr lang="en-US" dirty="0"/>
+              <a:t>AJAX request methods</a:t>
+            </a:r>
+          </a:p>
+        </p:txBody>
+      </p:sp>
+      <p:pic>
+        <p:nvPicPr>
+          <p:cNvPr id="7" name="Picture 6">
+            <a:extLst>
+              <a:ext uri="{FF2B5EF4-FFF2-40B4-BE49-F238E27FC236}">
+                <a16:creationId xmlns:a16="http://schemas.microsoft.com/office/drawing/2014/main" id="{46F3F303-5116-4CD8-AAAB-40A3E44A2D0C}"/>
+              </a:ext>
+            </a:extLst>
+          </p:cNvPr>
+          <p:cNvPicPr>
+            <a:picLocks noChangeAspect="1"/>
+          </p:cNvPicPr>
+          <p:nvPr/>
+        </p:nvPicPr>
+        <p:blipFill>
+          <a:blip r:embed="rId2">
+            <a:extLst>
+              <a:ext uri="{28A0092B-C50C-407E-A947-70E740481C1C}">
+                <a14:useLocalDpi xmlns:a14="http://schemas.microsoft.com/office/drawing/2010/main" val="0"/>
+              </a:ext>
+            </a:extLst>
+          </a:blip>
+          <a:stretch>
+            <a:fillRect/>
+          </a:stretch>
+        </p:blipFill>
+        <p:spPr>
+          <a:xfrm>
+            <a:off x="640174" y="2148396"/>
+            <a:ext cx="10740740" cy="4100004"/>
+          </a:xfrm>
+          <a:prstGeom prst="rect">
+            <a:avLst/>
+          </a:prstGeom>
+        </p:spPr>
+      </p:pic>
+    </p:spTree>
+    <p:extLst>
+      <p:ext uri="{BB962C8B-B14F-4D97-AF65-F5344CB8AC3E}">
+        <p14:creationId xmlns:p14="http://schemas.microsoft.com/office/powerpoint/2010/main" val="1003870961"/>
+      </p:ext>
+    </p:extLst>
+  </p:cSld>
+  <p:clrMapOvr>
+    <a:masterClrMapping/>
+  </p:clrMapOvr>
+</p:sld>
+</file>
+
+<file path=ppt/slides/slide8.xml><?xml version="1.0" encoding="utf-8"?>
+<p:sld xmlns:a="http://schemas.openxmlformats.org/drawingml/2006/main" xmlns:r="http://schemas.openxmlformats.org/officeDocument/2006/relationships" xmlns:p="http://schemas.openxmlformats.org/presentationml/2006/main">
+  <p:cSld>
+    <p:spTree>
+      <p:nvGrpSpPr>
+        <p:cNvPr id="1" name=""/>
+        <p:cNvGrpSpPr/>
+        <p:nvPr/>
+      </p:nvGrpSpPr>
+      <p:grpSpPr>
+        <a:xfrm>
+          <a:off x="0" y="0"/>
+          <a:ext cx="0" cy="0"/>
+          <a:chOff x="0" y="0"/>
+          <a:chExt cx="0" cy="0"/>
+        </a:xfrm>
+      </p:grpSpPr>
+      <p:sp>
+        <p:nvSpPr>
+          <p:cNvPr id="2" name="Title 1">
+            <a:extLst>
+              <a:ext uri="{FF2B5EF4-FFF2-40B4-BE49-F238E27FC236}">
+                <a16:creationId xmlns:a16="http://schemas.microsoft.com/office/drawing/2014/main" id="{7FDF6BC7-90A3-4302-8CE7-0875E05FECC8}"/>
+              </a:ext>
+            </a:extLst>
+          </p:cNvPr>
+          <p:cNvSpPr>
+            <a:spLocks noGrp="1"/>
+          </p:cNvSpPr>
+          <p:nvPr>
+            <p:ph type="title"/>
+          </p:nvPr>
+        </p:nvSpPr>
+        <p:spPr/>
+        <p:txBody>
+          <a:bodyPr/>
+          <a:lstStyle/>
+          <a:p>
+            <a:r>
+              <a:rPr lang="en-US" dirty="0"/>
+              <a:t>Ajax response methods</a:t>
+            </a:r>
+          </a:p>
+        </p:txBody>
+      </p:sp>
+      <p:pic>
+        <p:nvPicPr>
+          <p:cNvPr id="4" name="Picture 3">
+            <a:extLst>
+              <a:ext uri="{FF2B5EF4-FFF2-40B4-BE49-F238E27FC236}">
+                <a16:creationId xmlns:a16="http://schemas.microsoft.com/office/drawing/2014/main" id="{D4CAD98C-2AFF-41F4-AB0D-8AD47C248430}"/>
+              </a:ext>
+            </a:extLst>
+          </p:cNvPr>
+          <p:cNvPicPr>
+            <a:picLocks noChangeAspect="1"/>
+          </p:cNvPicPr>
+          <p:nvPr/>
+        </p:nvPicPr>
+        <p:blipFill>
+          <a:blip r:embed="rId2">
+            <a:extLst>
+              <a:ext uri="{28A0092B-C50C-407E-A947-70E740481C1C}">
+                <a14:useLocalDpi xmlns:a14="http://schemas.microsoft.com/office/drawing/2010/main" val="0"/>
+              </a:ext>
+            </a:extLst>
+          </a:blip>
+          <a:stretch>
+            <a:fillRect/>
+          </a:stretch>
+        </p:blipFill>
+        <p:spPr>
+          <a:xfrm>
+            <a:off x="841029" y="2352583"/>
+            <a:ext cx="10907665" cy="3719743"/>
+          </a:xfrm>
+          <a:prstGeom prst="rect">
+            <a:avLst/>
+          </a:prstGeom>
+        </p:spPr>
+      </p:pic>
+    </p:spTree>
+    <p:extLst>
+      <p:ext uri="{BB962C8B-B14F-4D97-AF65-F5344CB8AC3E}">
+        <p14:creationId xmlns:p14="http://schemas.microsoft.com/office/powerpoint/2010/main" val="376731093"/>
       </p:ext>
     </p:extLst>
   </p:cSld>
